--- a/Llama3 Hackathon 19-21JUL24 - DataWizard Presentation.pptx
+++ b/Llama3 Hackathon 19-21JUL24 - DataWizard Presentation.pptx
@@ -248,7 +248,7 @@
           <a:p>
             <a:fld id="{F352A77B-D33C-49B3-A83C-450AA2ED72B3}" type="datetimeFigureOut">
               <a:rPr lang="en-US" smtClean="0"/>
-              <a:t>7/20/2024</a:t>
+              <a:t>7/21/2024</a:t>
             </a:fld>
             <a:endParaRPr lang="en-US" dirty="0"/>
           </a:p>
@@ -425,7 +425,7 @@
           <a:p>
             <a:fld id="{E38D8F9A-F5CB-4EF8-A859-ED5E107B9763}" type="datetimeFigureOut">
               <a:rPr lang="en-US" smtClean="0"/>
-              <a:t>7/20/2024</a:t>
+              <a:t>7/21/2024</a:t>
             </a:fld>
             <a:endParaRPr lang="en-US" dirty="0"/>
           </a:p>
@@ -9047,7 +9047,7 @@
             <p:ph sz="quarter" idx="10"/>
             <p:extLst>
               <p:ext uri="{E7BDC344-281C-4309-B0C6-D0EE65EED2A8}">
-                <p202:designPr xmlns:p202="http://schemas.microsoft.com/office/powerpoint/2020/02/main">
+                <p202:designPr xmlns:p202="http://schemas.microsoft.com/office/powerpoint/2020/02/main" xmlns="">
                   <p202:designTagLst>
                     <p202:designTag name="ARCH:1:CLS" val="InformationBlock"/>
                     <p202:designTag name="ARCH:1:VSVAR" val="TitledTextBox"/>
@@ -9060,12 +9060,12 @@
         <p:spPr>
           <a:xfrm>
             <a:off x="914399" y="2022250"/>
-            <a:ext cx="5181600" cy="3747180"/>
+            <a:ext cx="5181600" cy="4111264"/>
           </a:xfrm>
         </p:spPr>
         <p:txBody>
           <a:bodyPr>
-            <a:normAutofit/>
+            <a:noAutofit/>
           </a:bodyPr>
           <a:lstStyle/>
           <a:p>
@@ -9076,49 +9076,60 @@
               <a:buNone/>
             </a:pPr>
             <a:r>
-              <a:rPr lang="en-US" sz="1800" b="1" u="sng" dirty="0"/>
+              <a:rPr lang="en-US" sz="1600" b="1" u="sng" dirty="0"/>
               <a:t>Emerging Technology Integration:</a:t>
             </a:r>
           </a:p>
           <a:p>
             <a:pPr marL="285750" lvl="1" indent="-285750"/>
             <a:r>
-              <a:rPr lang="en-US" sz="1400" b="1" dirty="0" err="1"/>
+              <a:rPr lang="en-US" sz="1600" dirty="0"/>
+              <a:t>Existing solutions either require substantial coding knowledge or lack comprehensive integration of essential features.</a:t>
+            </a:r>
+          </a:p>
+          <a:p>
+            <a:pPr marL="285750" lvl="1" indent="-285750"/>
+            <a:r>
+              <a:rPr lang="en-US" sz="1600" b="1" dirty="0" err="1"/>
               <a:t>DataWizard</a:t>
             </a:r>
             <a:r>
-              <a:rPr lang="en-US" sz="1400" dirty="0"/>
+              <a:rPr lang="en-US" sz="1600" dirty="0"/>
+              <a:t> empowers users to develop comprehensive data science applications with a simple prompt or intuitive interface, delivering seamless end-to-end solutions.</a:t>
+            </a:r>
+          </a:p>
+          <a:p>
+            <a:pPr marL="285750" lvl="1" indent="-285750"/>
+            <a:r>
+              <a:rPr lang="en-US" sz="1600" b="1" dirty="0" err="1"/>
+              <a:t>DataWizard</a:t>
+            </a:r>
+            <a:r>
+              <a:rPr lang="en-US" sz="1600" dirty="0"/>
               <a:t> integrates with future data science technologies to provide cutting-edge solutions; quantum computing, edge AI, etc.</a:t>
             </a:r>
-            <a:endParaRPr lang="en-US" sz="1400" b="1" dirty="0"/>
-          </a:p>
-          <a:p>
-            <a:pPr marL="0" indent="0">
-              <a:spcBef>
-                <a:spcPts val="2500"/>
-              </a:spcBef>
+            <a:endParaRPr lang="en-US" sz="1600" b="1" dirty="0"/>
+          </a:p>
+          <a:p>
+            <a:pPr marL="0" lvl="1" indent="0">
               <a:buNone/>
             </a:pPr>
             <a:r>
-              <a:rPr lang="en-US" sz="1800" b="1" u="sng" dirty="0"/>
+              <a:rPr lang="en-US" sz="1600" b="1" u="sng" dirty="0"/>
               <a:t>Customization &amp; Personalization:</a:t>
             </a:r>
           </a:p>
           <a:p>
             <a:pPr marL="285750" lvl="1" indent="-285750"/>
             <a:r>
-              <a:rPr lang="en-US" sz="1400" b="1" dirty="0" err="1"/>
+              <a:rPr lang="en-US" sz="1600" b="1" dirty="0" err="1"/>
               <a:t>DataWizard</a:t>
             </a:r>
             <a:r>
-              <a:rPr lang="en-US" sz="1400" dirty="0"/>
-              <a:t> could offer personalized coding assistance by learning individual preferences </a:t>
-            </a:r>
-            <a:r>
-              <a:rPr lang="en-US" sz="1400"/>
-              <a:t>and styles.</a:t>
-            </a:r>
-            <a:endParaRPr lang="en-US" sz="1400" b="1" dirty="0"/>
+              <a:rPr lang="en-US" sz="1600" dirty="0"/>
+              <a:t> could offer personalized coding assistance by learning individual preferences and styles.</a:t>
+            </a:r>
+            <a:endParaRPr lang="en-US" sz="1600" b="1" dirty="0"/>
           </a:p>
         </p:txBody>
       </p:sp>
@@ -9373,7 +9384,7 @@
             <p:ph sz="quarter" idx="10"/>
             <p:extLst>
               <p:ext uri="{E7BDC344-281C-4309-B0C6-D0EE65EED2A8}">
-                <p202:designPr xmlns:p202="http://schemas.microsoft.com/office/powerpoint/2020/02/main">
+                <p202:designPr xmlns:p202="http://schemas.microsoft.com/office/powerpoint/2020/02/main" xmlns="">
                   <p202:designTagLst>
                     <p202:designTag name="ARCH:1:CLS" val="InformationBlock"/>
                     <p202:designTag name="ARCH:1:VSVAR" val="TitledTextBox"/>
@@ -10001,58 +10012,6 @@
       </p:sp>
       <p:sp>
         <p:nvSpPr>
-          <p:cNvPr id="4" name="Content Placeholder 3">
-            <a:extLst>
-              <a:ext uri="{FF2B5EF4-FFF2-40B4-BE49-F238E27FC236}">
-                <a16:creationId xmlns:a16="http://schemas.microsoft.com/office/drawing/2014/main" id="{D80ADB95-AFE4-279E-03BF-DC28A2A641B4}"/>
-              </a:ext>
-            </a:extLst>
-          </p:cNvPr>
-          <p:cNvSpPr>
-            <a:spLocks noGrp="1"/>
-          </p:cNvSpPr>
-          <p:nvPr>
-            <p:ph sz="quarter" idx="10"/>
-            <p:extLst>
-              <p:ext uri="{E7BDC344-281C-4309-B0C6-D0EE65EED2A8}">
-                <p202:designPr xmlns:p202="http://schemas.microsoft.com/office/powerpoint/2020/02/main">
-                  <p202:designTagLst>
-                    <p202:designTag name="ARCH:1:CLS" val="InformationBlock"/>
-                    <p202:designTag name="ARCH:1:VSVAR" val="TitledTextBox"/>
-                  </p202:designTagLst>
-                </p202:designPr>
-              </p:ext>
-            </p:extLst>
-          </p:nvPr>
-        </p:nvSpPr>
-        <p:spPr>
-          <a:xfrm>
-            <a:off x="914399" y="2022250"/>
-            <a:ext cx="5181600" cy="3747180"/>
-          </a:xfrm>
-        </p:spPr>
-        <p:txBody>
-          <a:bodyPr>
-            <a:normAutofit/>
-          </a:bodyPr>
-          <a:lstStyle/>
-          <a:p>
-            <a:pPr marL="0" indent="0">
-              <a:spcBef>
-                <a:spcPts val="2500"/>
-              </a:spcBef>
-              <a:buNone/>
-            </a:pPr>
-            <a:r>
-              <a:rPr lang="en-US" sz="1200" b="1" dirty="0" err="1"/>
-              <a:t>safdsa</a:t>
-            </a:r>
-            <a:endParaRPr lang="en-US" sz="1200" dirty="0"/>
-          </a:p>
-        </p:txBody>
-      </p:sp>
-      <p:sp>
-        <p:nvSpPr>
           <p:cNvPr id="5" name="Slide Number Placeholder 4">
             <a:extLst>
               <a:ext uri="{FF2B5EF4-FFF2-40B4-BE49-F238E27FC236}">
@@ -10126,6 +10085,178 @@
           <a:noFill/>
         </p:spPr>
       </p:pic>
+      <p:sp>
+        <p:nvSpPr>
+          <p:cNvPr id="8" name="TextBox 7">
+            <a:extLst>
+              <a:ext uri="{FF2B5EF4-FFF2-40B4-BE49-F238E27FC236}">
+                <a16:creationId xmlns:a16="http://schemas.microsoft.com/office/drawing/2014/main" id="{3C5FCD4B-E03E-0486-308E-3216436CB07C}"/>
+              </a:ext>
+            </a:extLst>
+          </p:cNvPr>
+          <p:cNvSpPr txBox="1"/>
+          <p:nvPr/>
+        </p:nvSpPr>
+        <p:spPr>
+          <a:xfrm>
+            <a:off x="914400" y="1895060"/>
+            <a:ext cx="3053272" cy="3693319"/>
+          </a:xfrm>
+          <a:prstGeom prst="rect">
+            <a:avLst/>
+          </a:prstGeom>
+          <a:noFill/>
+        </p:spPr>
+        <p:txBody>
+          <a:bodyPr wrap="none" rtlCol="0">
+            <a:spAutoFit/>
+          </a:bodyPr>
+          <a:lstStyle/>
+          <a:p>
+            <a:r>
+              <a:rPr lang="en-US" b="1" u="sng" dirty="0">
+                <a:hlinkClick r:id="rId4"/>
+              </a:rPr>
+              <a:t>Bespoke Solutions Team Site</a:t>
+            </a:r>
+            <a:endParaRPr lang="en-US" b="1" u="sng" dirty="0"/>
+          </a:p>
+          <a:p>
+            <a:endParaRPr lang="en-US" b="1" u="sng" dirty="0"/>
+          </a:p>
+          <a:p>
+            <a:pPr marL="285750" indent="-285750">
+              <a:buFont typeface="Arial" panose="020B0604020202020204" pitchFamily="34" charset="0"/>
+              <a:buChar char="•"/>
+            </a:pPr>
+            <a:r>
+              <a:rPr lang="en-US" b="1" u="sng" dirty="0">
+                <a:hlinkClick r:id="rId5"/>
+              </a:rPr>
+              <a:t>Matthew Kilbane</a:t>
+            </a:r>
+            <a:endParaRPr lang="en-US" b="1" u="sng" dirty="0"/>
+          </a:p>
+          <a:p>
+            <a:pPr marL="285750" indent="-285750">
+              <a:buFont typeface="Arial" panose="020B0604020202020204" pitchFamily="34" charset="0"/>
+              <a:buChar char="•"/>
+            </a:pPr>
+            <a:endParaRPr lang="en-US" b="1" u="sng" dirty="0"/>
+          </a:p>
+          <a:p>
+            <a:pPr marL="285750" indent="-285750">
+              <a:buFont typeface="Arial" panose="020B0604020202020204" pitchFamily="34" charset="0"/>
+              <a:buChar char="•"/>
+            </a:pPr>
+            <a:r>
+              <a:rPr lang="en-US" b="1" u="sng" dirty="0">
+                <a:hlinkClick r:id="rId6"/>
+              </a:rPr>
+              <a:t>Hasnain Ali</a:t>
+            </a:r>
+            <a:endParaRPr lang="en-US" b="1" u="sng" dirty="0"/>
+          </a:p>
+          <a:p>
+            <a:pPr marL="285750" indent="-285750">
+              <a:buFont typeface="Arial" panose="020B0604020202020204" pitchFamily="34" charset="0"/>
+              <a:buChar char="•"/>
+            </a:pPr>
+            <a:endParaRPr lang="en-US" b="1" u="sng" dirty="0"/>
+          </a:p>
+          <a:p>
+            <a:pPr marL="285750" indent="-285750">
+              <a:buFont typeface="Arial" panose="020B0604020202020204" pitchFamily="34" charset="0"/>
+              <a:buChar char="•"/>
+            </a:pPr>
+            <a:r>
+              <a:rPr lang="en-US" b="1" u="sng" dirty="0">
+                <a:hlinkClick r:id="rId7"/>
+              </a:rPr>
+              <a:t>Owais Ahmed</a:t>
+            </a:r>
+            <a:endParaRPr lang="en-US" b="1" u="sng" dirty="0"/>
+          </a:p>
+          <a:p>
+            <a:pPr marL="285750" indent="-285750">
+              <a:buFont typeface="Arial" panose="020B0604020202020204" pitchFamily="34" charset="0"/>
+              <a:buChar char="•"/>
+            </a:pPr>
+            <a:endParaRPr lang="en-US" b="1" u="sng" dirty="0"/>
+          </a:p>
+          <a:p>
+            <a:pPr marL="285750" indent="-285750">
+              <a:buFont typeface="Arial" panose="020B0604020202020204" pitchFamily="34" charset="0"/>
+              <a:buChar char="•"/>
+            </a:pPr>
+            <a:r>
+              <a:rPr lang="en-US" b="1" u="sng" dirty="0" err="1">
+                <a:hlinkClick r:id="rId8"/>
+              </a:rPr>
+              <a:t>Hamna</a:t>
+            </a:r>
+            <a:r>
+              <a:rPr lang="en-US" b="1" u="sng" dirty="0">
+                <a:hlinkClick r:id="rId8"/>
+              </a:rPr>
+              <a:t> Jamil</a:t>
+            </a:r>
+            <a:endParaRPr lang="en-US" b="1" u="sng" dirty="0"/>
+          </a:p>
+          <a:p>
+            <a:pPr marL="285750" indent="-285750">
+              <a:buFont typeface="Arial" panose="020B0604020202020204" pitchFamily="34" charset="0"/>
+              <a:buChar char="•"/>
+            </a:pPr>
+            <a:endParaRPr lang="en-US" b="1" u="sng" dirty="0"/>
+          </a:p>
+          <a:p>
+            <a:pPr marL="285750" indent="-285750">
+              <a:buFont typeface="Arial" panose="020B0604020202020204" pitchFamily="34" charset="0"/>
+              <a:buChar char="•"/>
+            </a:pPr>
+            <a:r>
+              <a:rPr lang="en-US" b="1" u="sng" dirty="0" err="1">
+                <a:hlinkClick r:id="rId9"/>
+              </a:rPr>
+              <a:t>Hanzla</a:t>
+            </a:r>
+            <a:r>
+              <a:rPr lang="en-US" b="1" u="sng" dirty="0">
+                <a:hlinkClick r:id="rId9"/>
+              </a:rPr>
+              <a:t> Nawaz</a:t>
+            </a:r>
+            <a:endParaRPr lang="en-US" b="1" u="sng" dirty="0"/>
+          </a:p>
+          <a:p>
+            <a:pPr marL="285750" indent="-285750">
+              <a:buFont typeface="Arial" panose="020B0604020202020204" pitchFamily="34" charset="0"/>
+              <a:buChar char="•"/>
+            </a:pPr>
+            <a:endParaRPr lang="en-US" b="1" u="sng" dirty="0"/>
+          </a:p>
+          <a:p>
+            <a:pPr marL="285750" indent="-285750">
+              <a:buFont typeface="Arial" panose="020B0604020202020204" pitchFamily="34" charset="0"/>
+              <a:buChar char="•"/>
+            </a:pPr>
+            <a:r>
+              <a:rPr lang="en-US" b="1" u="sng" dirty="0">
+                <a:hlinkClick r:id="rId10"/>
+              </a:rPr>
+              <a:t>Jordan </a:t>
+            </a:r>
+            <a:r>
+              <a:rPr lang="en-US" b="1" u="sng" dirty="0" err="1">
+                <a:hlinkClick r:id="rId10"/>
+              </a:rPr>
+              <a:t>Pfost</a:t>
+            </a:r>
+            <a:endParaRPr lang="en-US" b="1" u="sng" dirty="0"/>
+          </a:p>
+        </p:txBody>
+      </p:sp>
     </p:spTree>
     <p:extLst>
       <p:ext uri="{BB962C8B-B14F-4D97-AF65-F5344CB8AC3E}">
@@ -10139,98 +10270,6 @@
   <p:transition>
     <p:fade/>
   </p:transition>
-  <p:timing>
-    <p:tnLst>
-      <p:par>
-        <p:cTn id="1" dur="indefinite" restart="never" nodeType="tmRoot">
-          <p:childTnLst>
-            <p:seq concurrent="1" nextAc="seek">
-              <p:cTn id="2" dur="indefinite" nodeType="mainSeq">
-                <p:childTnLst>
-                  <p:par>
-                    <p:cTn id="3" fill="hold">
-                      <p:stCondLst>
-                        <p:cond delay="indefinite"/>
-                        <p:cond evt="onBegin" delay="0">
-                          <p:tn val="2"/>
-                        </p:cond>
-                      </p:stCondLst>
-                      <p:childTnLst>
-                        <p:par>
-                          <p:cTn id="4" fill="hold">
-                            <p:stCondLst>
-                              <p:cond delay="0"/>
-                            </p:stCondLst>
-                            <p:childTnLst>
-                              <p:par>
-                                <p:cTn id="5" presetID="10" presetClass="entr" presetSubtype="0" fill="hold" grpId="0" nodeType="withEffect">
-                                  <p:stCondLst>
-                                    <p:cond delay="250"/>
-                                  </p:stCondLst>
-                                  <p:iterate>
-                                    <p:tmPct val="10000"/>
-                                  </p:iterate>
-                                  <p:childTnLst>
-                                    <p:set>
-                                      <p:cBhvr>
-                                        <p:cTn id="6" dur="1" fill="hold">
-                                          <p:stCondLst>
-                                            <p:cond delay="0"/>
-                                          </p:stCondLst>
-                                        </p:cTn>
-                                        <p:tgtEl>
-                                          <p:spTgt spid="4"/>
-                                        </p:tgtEl>
-                                        <p:attrNameLst>
-                                          <p:attrName>style.visibility</p:attrName>
-                                        </p:attrNameLst>
-                                      </p:cBhvr>
-                                      <p:to>
-                                        <p:strVal val="visible"/>
-                                      </p:to>
-                                    </p:set>
-                                    <p:animEffect transition="in" filter="fade">
-                                      <p:cBhvr>
-                                        <p:cTn id="7" dur="500"/>
-                                        <p:tgtEl>
-                                          <p:spTgt spid="4"/>
-                                        </p:tgtEl>
-                                      </p:cBhvr>
-                                    </p:animEffect>
-                                  </p:childTnLst>
-                                </p:cTn>
-                              </p:par>
-                            </p:childTnLst>
-                          </p:cTn>
-                        </p:par>
-                      </p:childTnLst>
-                    </p:cTn>
-                  </p:par>
-                </p:childTnLst>
-              </p:cTn>
-              <p:prevCondLst>
-                <p:cond evt="onPrev" delay="0">
-                  <p:tgtEl>
-                    <p:sldTgt/>
-                  </p:tgtEl>
-                </p:cond>
-              </p:prevCondLst>
-              <p:nextCondLst>
-                <p:cond evt="onNext" delay="0">
-                  <p:tgtEl>
-                    <p:sldTgt/>
-                  </p:tgtEl>
-                </p:cond>
-              </p:nextCondLst>
-            </p:seq>
-          </p:childTnLst>
-        </p:cTn>
-      </p:par>
-    </p:tnLst>
-    <p:bldLst>
-      <p:bldP spid="4" grpId="0"/>
-    </p:bldLst>
-  </p:timing>
 </p:sld>
 </file>
 
@@ -10302,7 +10341,7 @@
             <p:ph sz="quarter" idx="10"/>
             <p:extLst>
               <p:ext uri="{E7BDC344-281C-4309-B0C6-D0EE65EED2A8}">
-                <p202:designPr xmlns:p202="http://schemas.microsoft.com/office/powerpoint/2020/02/main">
+                <p202:designPr xmlns:p202="http://schemas.microsoft.com/office/powerpoint/2020/02/main" xmlns="">
                   <p202:designTagLst>
                     <p202:designTag name="ARCH:1:CLS" val="InformationBlock"/>
                     <p202:designTag name="ARCH:1:VSVAR" val="TitledTextBox"/>
@@ -10344,10 +10383,9 @@
               <a:buNone/>
             </a:pPr>
             <a:r>
-              <a:rPr lang="en-US" sz="1400" b="1" dirty="0"/>
-              <a:t>Many people and organizations require efficient data analysis but lack in-depth data science knowledge.</a:t>
-            </a:r>
-            <a:endParaRPr lang="en-US" sz="1400" dirty="0"/>
+              <a:rPr lang="en-US" sz="1300" b="1" dirty="0"/>
+              <a:t>Many people and organizations require efficient data analysis but lack in-depth data science knowledge. Despite the availability of many data science tools, there is still a significant gap in providing an integrated, user-friendly platform that can cater both novice and experience users. </a:t>
+            </a:r>
           </a:p>
           <a:p>
             <a:pPr marL="0" indent="0">
@@ -10374,7 +10412,7 @@
             </a:r>
             <a:r>
               <a:rPr lang="en-US" sz="1400" dirty="0"/>
-              <a:t>is designed to democratize data science and empower users with data science capabilities.</a:t>
+              <a:t>is designed to democratize data science by making it accessible to users with different levels of expertise. </a:t>
             </a:r>
           </a:p>
         </p:txBody>
@@ -10630,7 +10668,7 @@
             <p:ph sz="quarter" idx="10"/>
             <p:extLst>
               <p:ext uri="{E7BDC344-281C-4309-B0C6-D0EE65EED2A8}">
-                <p202:designPr xmlns:p202="http://schemas.microsoft.com/office/powerpoint/2020/02/main">
+                <p202:designPr xmlns:p202="http://schemas.microsoft.com/office/powerpoint/2020/02/main" xmlns="">
                   <p202:designTagLst>
                     <p202:designTag name="ARCH:1:CLS" val="InformationBlock"/>
                     <p202:designTag name="ARCH:1:VSVAR" val="TitledTextBox"/>
@@ -10648,7 +10686,7 @@
         </p:spPr>
         <p:txBody>
           <a:bodyPr>
-            <a:normAutofit/>
+            <a:normAutofit fontScale="92500"/>
           </a:bodyPr>
           <a:lstStyle/>
           <a:p>
@@ -10665,11 +10703,11 @@
             </a:r>
             <a:r>
               <a:rPr lang="en-US" b="1" dirty="0"/>
-              <a:t>: The Llama3 Data Science Assistant</a:t>
+              <a:t>: The Llama3</a:t>
             </a:r>
             <a:r>
               <a:rPr lang="en-US" dirty="0"/>
-              <a:t>, your go-to assistant for all things data science! </a:t>
+              <a:t>, AI-powered Data Science assistant that automates and simplifies data science tasks.</a:t>
             </a:r>
           </a:p>
           <a:p>
@@ -10692,35 +10730,80 @@
             </a:r>
             <a:r>
               <a:rPr lang="en-US" dirty="0"/>
-              <a:t> APIs to assist users in their data science tasks with ease. </a:t>
+              <a:t> APIs for understanding and responding to user queries in natural language.</a:t>
             </a:r>
           </a:p>
           <a:p>
             <a:pPr marL="285750" lvl="1" indent="-285750"/>
             <a:r>
+              <a:rPr lang="en-US" dirty="0"/>
+              <a:t>Design an intuitive and interactive interface using </a:t>
+            </a:r>
+            <a:r>
               <a:rPr lang="en-US" dirty="0" err="1"/>
-              <a:t>DataWizard</a:t>
+              <a:t>Streamlit</a:t>
             </a:r>
             <a:r>
               <a:rPr lang="en-US" dirty="0"/>
-              <a:t> employs the </a:t>
-            </a:r>
-            <a:r>
-              <a:rPr lang="en-US" dirty="0" err="1"/>
-              <a:t>pandasai</a:t>
-            </a:r>
-            <a:r>
+              <a:t>, making it accessible for users of all skill levels.</a:t>
+            </a:r>
+            <a:br>
               <a:rPr lang="en-US" dirty="0"/>
-              <a:t> agent for data manipulation and analysis and offers an intuitive UI developed in </a:t>
-            </a:r>
-            <a:r>
-              <a:rPr lang="en-US" b="1" dirty="0" err="1"/>
-              <a:t>Streamlit</a:t>
-            </a:r>
+            </a:br>
             <a:r>
               <a:rPr lang="en-US" dirty="0"/>
               <a:t>.</a:t>
             </a:r>
+          </a:p>
+          <a:p>
+            <a:pPr marL="0" lvl="1" indent="0">
+              <a:buNone/>
+            </a:pPr>
+            <a:r>
+              <a:rPr lang="en-US" b="1" u="sng" dirty="0"/>
+              <a:t>Short Description:</a:t>
+            </a:r>
+            <a:r>
+              <a:rPr lang="en-US" dirty="0"/>
+              <a:t> </a:t>
+            </a:r>
+            <a:r>
+              <a:rPr lang="en-US" sz="1700" dirty="0"/>
+              <a:t>Generative AI data-science assistant for real-time analysis without advanced coding skills.</a:t>
+            </a:r>
+            <a:endParaRPr lang="en-US" sz="1500" dirty="0"/>
+          </a:p>
+          <a:p>
+            <a:pPr marL="0" lvl="1" indent="0">
+              <a:buNone/>
+            </a:pPr>
+            <a:r>
+              <a:rPr lang="en-US" sz="1900" b="1" u="sng" dirty="0"/>
+              <a:t>Long Description:</a:t>
+            </a:r>
+            <a:r>
+              <a:rPr lang="en-US" sz="1900" dirty="0"/>
+              <a:t> </a:t>
+            </a:r>
+            <a:r>
+              <a:rPr lang="en-US" sz="1500" dirty="0"/>
+              <a:t>The Llama3 Data Science Assistant is designed to mitigate the technical barriers an average user will experience. By utilizing the Llama3 LLM, this </a:t>
+            </a:r>
+            <a:r>
+              <a:rPr lang="en-US" sz="1500" dirty="0" err="1"/>
+              <a:t>GenAI</a:t>
+            </a:r>
+            <a:r>
+              <a:rPr lang="en-US" sz="1500" dirty="0"/>
+              <a:t> assistant will simplify the process of executing data science tasks through natural language inputs. The target audience consists of professionals and researchers who require efficient data analysis but lack in-depth programming knowledge. This application democratized data science and empowers users with that ability.</a:t>
+            </a:r>
+            <a:endParaRPr lang="en-US" sz="1500" b="1" u="sng" dirty="0"/>
+          </a:p>
+          <a:p>
+            <a:pPr marL="0" lvl="1" indent="0">
+              <a:buNone/>
+            </a:pPr>
+            <a:endParaRPr lang="en-US" b="1" u="sng" dirty="0"/>
           </a:p>
         </p:txBody>
       </p:sp>
@@ -10946,7 +11029,7 @@
             <p:ph sz="quarter" idx="10"/>
             <p:extLst>
               <p:ext uri="{E7BDC344-281C-4309-B0C6-D0EE65EED2A8}">
-                <p202:designPr xmlns:p202="http://schemas.microsoft.com/office/powerpoint/2020/02/main">
+                <p202:designPr xmlns:p202="http://schemas.microsoft.com/office/powerpoint/2020/02/main" xmlns="">
                   <p202:designTagLst>
                     <p202:designTag name="ARCH:1:CLS" val="InformationBlock"/>
                     <p202:designTag name="ARCH:1:VSVAR" val="TitledTextBox"/>
@@ -11240,7 +11323,7 @@
             <p:ph sz="quarter" idx="10"/>
             <p:extLst>
               <p:ext uri="{E7BDC344-281C-4309-B0C6-D0EE65EED2A8}">
-                <p202:designPr xmlns:p202="http://schemas.microsoft.com/office/powerpoint/2020/02/main">
+                <p202:designPr xmlns:p202="http://schemas.microsoft.com/office/powerpoint/2020/02/main" xmlns="">
                   <p202:designTagLst>
                     <p202:designTag name="ARCH:1:CLS" val="InformationBlock"/>
                     <p202:designTag name="ARCH:1:VSVAR" val="TitledTextBox"/>
@@ -11258,7 +11341,7 @@
         </p:spPr>
         <p:txBody>
           <a:bodyPr>
-            <a:normAutofit/>
+            <a:normAutofit fontScale="92500" lnSpcReduction="10000"/>
           </a:bodyPr>
           <a:lstStyle/>
           <a:p>
@@ -11280,24 +11363,41 @@
               </a:spcBef>
             </a:pPr>
             <a:r>
-              <a:rPr lang="en-US" sz="1400" b="1" dirty="0"/>
+              <a:rPr lang="en-US" sz="1500" dirty="0"/>
               <a:t>Grandview Research pegs the market for </a:t>
             </a:r>
             <a:r>
-              <a:rPr lang="en-US" sz="1400" b="1" dirty="0" err="1"/>
+              <a:rPr lang="en-US" sz="1500" dirty="0" err="1"/>
               <a:t>GenAI</a:t>
             </a:r>
             <a:r>
-              <a:rPr lang="en-US" sz="1400" b="1" dirty="0"/>
+              <a:rPr lang="en-US" sz="1500" dirty="0"/>
               <a:t> coding, which includes data science tasks was $19.13MM in 2022 and is projected to grow at a compound annual growth rate of 25.2% through 2030. </a:t>
             </a:r>
             <a:r>
-              <a:rPr lang="en-US" sz="1400" b="1" dirty="0">
+              <a:rPr lang="en-US" sz="1500" dirty="0">
                 <a:hlinkClick r:id="rId3"/>
               </a:rPr>
               <a:t>(1)</a:t>
             </a:r>
-            <a:endParaRPr lang="en-US" sz="1400" b="1" dirty="0"/>
+            <a:br>
+              <a:rPr lang="en-US" sz="1500" dirty="0"/>
+            </a:br>
+            <a:r>
+              <a:rPr lang="en-US" sz="1500" dirty="0"/>
+              <a:t>Studies have shown that NLP can significantly improve user experience by allowing users to query data and interpret results through conversational interfaces (Brown et al., </a:t>
+            </a:r>
+            <a:r>
+              <a:rPr lang="en-US" sz="1500" u="sng" dirty="0">
+                <a:hlinkClick r:id="rId4"/>
+              </a:rPr>
+              <a:t>2020</a:t>
+            </a:r>
+            <a:r>
+              <a:rPr lang="en-US" sz="1500" dirty="0"/>
+              <a:t>).</a:t>
+            </a:r>
+            <a:endParaRPr lang="en-US" sz="2200" dirty="0"/>
           </a:p>
           <a:p>
             <a:pPr marL="0" indent="0">
@@ -11318,9 +11418,29 @@
               </a:spcBef>
             </a:pPr>
             <a:r>
-              <a:rPr lang="en-US" sz="1400" b="1" dirty="0"/>
+              <a:rPr lang="en-US" sz="1500" dirty="0"/>
               <a:t>Gen AI assisted coding results in a more collaborative development process which has impacts and a niche across every modern organization (Public, Private, NGO, and Non-Profit).</a:t>
             </a:r>
+          </a:p>
+          <a:p>
+            <a:pPr>
+              <a:spcBef>
+                <a:spcPts val="2500"/>
+              </a:spcBef>
+            </a:pPr>
+            <a:r>
+              <a:rPr lang="en-US" sz="1500" dirty="0"/>
+              <a:t>Such a solution would streamline the workflow, reduce the need for coding expertise, and make data science more accessible to a broader audience.</a:t>
+            </a:r>
+            <a:endParaRPr lang="en-US" sz="1500" b="1" dirty="0"/>
+          </a:p>
+          <a:p>
+            <a:pPr>
+              <a:spcBef>
+                <a:spcPts val="2500"/>
+              </a:spcBef>
+            </a:pPr>
+            <a:endParaRPr lang="en-US" sz="1400" b="1" dirty="0"/>
           </a:p>
         </p:txBody>
       </p:sp>
@@ -11546,7 +11666,7 @@
             <p:ph sz="quarter" idx="10"/>
             <p:extLst>
               <p:ext uri="{E7BDC344-281C-4309-B0C6-D0EE65EED2A8}">
-                <p202:designPr xmlns:p202="http://schemas.microsoft.com/office/powerpoint/2020/02/main">
+                <p202:designPr xmlns:p202="http://schemas.microsoft.com/office/powerpoint/2020/02/main" xmlns="">
                   <p202:designTagLst>
                     <p202:designTag name="ARCH:1:CLS" val="InformationBlock"/>
                     <p202:designTag name="ARCH:1:VSVAR" val="TitledTextBox"/>
@@ -11867,7 +11987,7 @@
             <p:ph sz="quarter" idx="10"/>
             <p:extLst>
               <p:ext uri="{E7BDC344-281C-4309-B0C6-D0EE65EED2A8}">
-                <p202:designPr xmlns:p202="http://schemas.microsoft.com/office/powerpoint/2020/02/main">
+                <p202:designPr xmlns:p202="http://schemas.microsoft.com/office/powerpoint/2020/02/main" xmlns="">
                   <p202:designTagLst>
                     <p202:designTag name="ARCH:1:CLS" val="InformationBlock"/>
                     <p202:designTag name="ARCH:1:VSVAR" val="TitledTextBox"/>
@@ -11885,7 +12005,7 @@
         </p:spPr>
         <p:txBody>
           <a:bodyPr>
-            <a:normAutofit/>
+            <a:normAutofit fontScale="77500" lnSpcReduction="20000"/>
           </a:bodyPr>
           <a:lstStyle/>
           <a:p>
@@ -11907,15 +12027,15 @@
               </a:spcBef>
             </a:pPr>
             <a:r>
-              <a:rPr lang="en-US" sz="1400" dirty="0"/>
+              <a:rPr lang="en-US" sz="2100" dirty="0"/>
               <a:t>Microsoft, Amazon, Google, Etc. are concentrating on environment native data solutions; </a:t>
             </a:r>
             <a:r>
-              <a:rPr lang="en-US" sz="1400" b="1" i="1" dirty="0" err="1"/>
+              <a:rPr lang="en-US" sz="2100" b="1" i="1" dirty="0" err="1"/>
               <a:t>DataWizard</a:t>
             </a:r>
             <a:r>
-              <a:rPr lang="en-US" sz="1400" dirty="0"/>
+              <a:rPr lang="en-US" sz="2100" dirty="0"/>
               <a:t> provides data science service regardless of environment.</a:t>
             </a:r>
           </a:p>
@@ -11932,23 +12052,66 @@
             </a:r>
           </a:p>
           <a:p>
+            <a:pPr marL="0" indent="0">
+              <a:buNone/>
+            </a:pPr>
+            <a:r>
+              <a:rPr lang="en-PK" dirty="0"/>
+              <a:t>Several data science tools and platforms exist, each with its own strengths and limitations. Popular solutions include:</a:t>
+            </a:r>
+          </a:p>
+          <a:p>
+            <a:pPr lvl="0"/>
+            <a:r>
+              <a:rPr lang="en-PK" b="1" dirty="0"/>
+              <a:t>RapidMiner</a:t>
+            </a:r>
+            <a:r>
+              <a:rPr lang="en-PK" dirty="0"/>
+              <a:t>: Provides a robust platform for data mining but can be complex for beginners.</a:t>
+            </a:r>
+          </a:p>
+          <a:p>
+            <a:pPr lvl="0"/>
+            <a:r>
+              <a:rPr lang="en-PK" b="1" dirty="0" err="1"/>
+              <a:t>AutoML</a:t>
+            </a:r>
+            <a:r>
+              <a:rPr lang="en-PK" b="1" dirty="0"/>
+              <a:t> frameworks (e.g., Google </a:t>
+            </a:r>
+            <a:r>
+              <a:rPr lang="en-PK" b="1" dirty="0" err="1"/>
+              <a:t>AutoML</a:t>
+            </a:r>
+            <a:r>
+              <a:rPr lang="en-PK" b="1" dirty="0"/>
+              <a:t>, H2O.ai)</a:t>
+            </a:r>
+            <a:r>
+              <a:rPr lang="en-PK" dirty="0"/>
+              <a:t>: Automate model selection but often require substantial computational resources and may not support extensive natural language processing.</a:t>
+            </a:r>
+            <a:endParaRPr lang="en-US" dirty="0"/>
+          </a:p>
+          <a:p>
+            <a:r>
+              <a:rPr lang="en-US" b="1" i="1" dirty="0" err="1"/>
+              <a:t>DataWizard</a:t>
+            </a:r>
+            <a:r>
+              <a:rPr lang="en-US" dirty="0"/>
+              <a:t> provides data science as a stand-alone service to fit the needs of the customer.</a:t>
+            </a:r>
+          </a:p>
+          <a:p>
+            <a:pPr lvl="0"/>
+            <a:endParaRPr lang="en-PK" dirty="0"/>
+          </a:p>
+          <a:p>
             <a:pPr marL="285750" lvl="1" indent="-285750"/>
-            <a:r>
-              <a:rPr lang="en-US" sz="1400" dirty="0" err="1"/>
-              <a:t>DataRobot</a:t>
-            </a:r>
-            <a:r>
-              <a:rPr lang="en-US" sz="1400" dirty="0"/>
-              <a:t>, RapidMiner, Alteryx, Etc. offer similar solutions as a part of an overall software service offering; </a:t>
-            </a:r>
-            <a:r>
-              <a:rPr lang="en-US" sz="1400" b="1" i="1" dirty="0" err="1"/>
-              <a:t>DataWizard</a:t>
-            </a:r>
-            <a:r>
-              <a:rPr lang="en-US" sz="1400" dirty="0"/>
-              <a:t> provides data science as a stand-alone service to fit the needs of the customer.</a:t>
-            </a:r>
+            <a:endParaRPr lang="en-US" sz="1400" dirty="0"/>
           </a:p>
         </p:txBody>
       </p:sp>
@@ -12918,15 +13081,6 @@
 </file>
 
 <file path=customXml/item2.xml><?xml version="1.0" encoding="utf-8"?>
-<?mso-contentType ?>
-<FormTemplates xmlns="http://schemas.microsoft.com/sharepoint/v3/contenttype/forms">
-  <Display>DocumentLibraryForm</Display>
-  <Edit>DocumentLibraryForm</Edit>
-  <New>DocumentLibraryForm</New>
-</FormTemplates>
-</file>
-
-<file path=customXml/item3.xml><?xml version="1.0" encoding="utf-8"?>
 <ct:contentTypeSchema xmlns:ct="http://schemas.microsoft.com/office/2006/metadata/contentType" xmlns:ma="http://schemas.microsoft.com/office/2006/metadata/properties/metaAttributes" ct:_="" ma:_="" ma:contentTypeName="Document" ma:contentTypeID="0x01010079F111ED35F8CC479449609E8A0923A6" ma:contentTypeVersion="28" ma:contentTypeDescription="Create a new document." ma:contentTypeScope="" ma:versionID="60f5a4f2d2b0abadcf532d48ebf9cb71">
   <xsd:schema xmlns:xsd="http://www.w3.org/2001/XMLSchema" xmlns:xs="http://www.w3.org/2001/XMLSchema" xmlns:p="http://schemas.microsoft.com/office/2006/metadata/properties" xmlns:ns1="http://schemas.microsoft.com/sharepoint/v3" xmlns:ns2="71af3243-3dd4-4a8d-8c0d-dd76da1f02a5" xmlns:ns3="16c05727-aa75-4e4a-9b5f-8a80a1165891" xmlns:ns4="230e9df3-be65-4c73-a93b-d1236ebd677e" targetNamespace="http://schemas.microsoft.com/office/2006/metadata/properties" ma:root="true" ma:fieldsID="7dd78129e6a1811f84807ad11c651531" ns1:_="" ns2:_="" ns3:_="" ns4:_="">
     <xsd:import namespace="http://schemas.microsoft.com/sharepoint/v3"/>
@@ -13238,6 +13392,15 @@
 </ct:contentTypeSchema>
 </file>
 
+<file path=customXml/item3.xml><?xml version="1.0" encoding="utf-8"?>
+<?mso-contentType ?>
+<FormTemplates xmlns="http://schemas.microsoft.com/sharepoint/v3/contenttype/forms">
+  <Display>DocumentLibraryForm</Display>
+  <Edit>DocumentLibraryForm</Edit>
+  <New>DocumentLibraryForm</New>
+</FormTemplates>
+</file>
+
 <file path=customXml/itemProps1.xml><?xml version="1.0" encoding="utf-8"?>
 <ds:datastoreItem xmlns:ds="http://schemas.openxmlformats.org/officeDocument/2006/customXml" ds:itemID="{AB045227-5724-4DBF-9712-031B1BFB2C3C}">
   <ds:schemaRefs>
@@ -13251,14 +13414,6 @@
 </file>
 
 <file path=customXml/itemProps2.xml><?xml version="1.0" encoding="utf-8"?>
-<ds:datastoreItem xmlns:ds="http://schemas.openxmlformats.org/officeDocument/2006/customXml" ds:itemID="{B7B39BD0-040C-43BE-B0E4-512B09E8003F}">
-  <ds:schemaRefs>
-    <ds:schemaRef ds:uri="http://schemas.microsoft.com/sharepoint/v3/contenttype/forms"/>
-  </ds:schemaRefs>
-</ds:datastoreItem>
-</file>
-
-<file path=customXml/itemProps3.xml><?xml version="1.0" encoding="utf-8"?>
 <ds:datastoreItem xmlns:ds="http://schemas.openxmlformats.org/officeDocument/2006/customXml" ds:itemID="{622457D9-12AC-4794-A05E-F1B90FCD8DA7}">
   <ds:schemaRefs>
     <ds:schemaRef ds:uri="http://schemas.microsoft.com/office/2006/metadata/contentType"/>
@@ -13279,6 +13434,14 @@
 </ds:datastoreItem>
 </file>
 
+<file path=customXml/itemProps3.xml><?xml version="1.0" encoding="utf-8"?>
+<ds:datastoreItem xmlns:ds="http://schemas.openxmlformats.org/officeDocument/2006/customXml" ds:itemID="{B7B39BD0-040C-43BE-B0E4-512B09E8003F}">
+  <ds:schemaRefs>
+    <ds:schemaRef ds:uri="http://schemas.microsoft.com/sharepoint/v3/contenttype/forms"/>
+  </ds:schemaRefs>
+</ds:datastoreItem>
+</file>
+
 <file path=docMetadata/LabelInfo.xml><?xml version="1.0" encoding="utf-8"?>
 <clbl:labelList xmlns:clbl="http://schemas.microsoft.com/office/2020/mipLabelMetadata"/>
 </file>